--- a/Final Exam/MARKET SEGMENTATION OF BATHSOAP.pptx
+++ b/Final Exam/MARKET SEGMENTATION OF BATHSOAP.pptx
@@ -107,6 +107,11 @@
       </a:defRPr>
     </a:lvl9pPr>
   </p:defaultTextStyle>
+  <p:extLst>
+    <p:ext uri="{EFAFB233-063F-42B5-8137-9DF3F51BA10A}">
+      <p15:sldGuideLst xmlns:p15="http://schemas.microsoft.com/office/powerpoint/2012/main"/>
+    </p:ext>
+  </p:extLst>
 </p:presentation>
 </file>
 
@@ -5850,7 +5855,7 @@
           <p:cNvPr id="8" name="Rectangle 7">
             <a:extLst>
               <a:ext uri="{FF2B5EF4-FFF2-40B4-BE49-F238E27FC236}">
-                <a16:creationId xmlns:a16="http://schemas.microsoft.com/office/drawing/2014/main" id="{DD6BC9EB-F181-48AB-BCA2-3D1DB20D2D87}"/>
+                <a16:creationId xmlns:a16="http://schemas.microsoft.com/office/drawing/2014/main" id="{2783C067-F8BF-4755-B516-8A0CD74CF60C}"/>
               </a:ext>
               <a:ext uri="{C183D7F6-B498-43B3-948B-1728B52AA6E4}">
                 <adec:decorative xmlns:adec="http://schemas.microsoft.com/office/drawing/2017/decorative" val="1"/>
@@ -5907,81 +5912,10 @@
       </p:sp>
       <p:sp>
         <p:nvSpPr>
-          <p:cNvPr id="2" name="Title 1">
-            <a:extLst>
-              <a:ext uri="{FF2B5EF4-FFF2-40B4-BE49-F238E27FC236}">
-                <a16:creationId xmlns:a16="http://schemas.microsoft.com/office/drawing/2014/main" id="{01FB5297-2A0C-49CB-AD5A-8BF7C345CDF2}"/>
-              </a:ext>
-            </a:extLst>
-          </p:cNvPr>
-          <p:cNvSpPr>
-            <a:spLocks noGrp="1"/>
-          </p:cNvSpPr>
-          <p:nvPr>
-            <p:ph type="ctrTitle"/>
-          </p:nvPr>
-        </p:nvSpPr>
-        <p:spPr>
-          <a:xfrm>
-            <a:off x="1507066" y="999460"/>
-            <a:ext cx="5698067" cy="4479852"/>
-          </a:xfrm>
-        </p:spPr>
-        <p:txBody>
-          <a:bodyPr anchor="ctr">
-            <a:normAutofit/>
-          </a:bodyPr>
-          <a:lstStyle/>
-          <a:p>
-            <a:r>
-              <a:rPr lang="en-US" dirty="0"/>
-              <a:t>MARKET SEGMENTATION OF BATHSOAP</a:t>
-            </a:r>
-          </a:p>
-        </p:txBody>
-      </p:sp>
-      <p:sp>
-        <p:nvSpPr>
-          <p:cNvPr id="3" name="Subtitle 2">
-            <a:extLst>
-              <a:ext uri="{FF2B5EF4-FFF2-40B4-BE49-F238E27FC236}">
-                <a16:creationId xmlns:a16="http://schemas.microsoft.com/office/drawing/2014/main" id="{7EEB2D42-330F-4C58-B923-AD6FC23AB80A}"/>
-              </a:ext>
-            </a:extLst>
-          </p:cNvPr>
-          <p:cNvSpPr>
-            <a:spLocks noGrp="1"/>
-          </p:cNvSpPr>
-          <p:nvPr>
-            <p:ph type="subTitle" idx="1"/>
-          </p:nvPr>
-        </p:nvSpPr>
-        <p:spPr>
-          <a:xfrm>
-            <a:off x="7871971" y="999460"/>
-            <a:ext cx="3123620" cy="4479852"/>
-          </a:xfrm>
-        </p:spPr>
-        <p:txBody>
-          <a:bodyPr anchor="ctr">
-            <a:normAutofit/>
-          </a:bodyPr>
-          <a:lstStyle/>
-          <a:p>
-            <a:pPr algn="l"/>
-            <a:r>
-              <a:rPr lang="en-US"/>
-              <a:t>					npillana@kent.edu</a:t>
-            </a:r>
-          </a:p>
-        </p:txBody>
-      </p:sp>
-      <p:sp>
-        <p:nvSpPr>
           <p:cNvPr id="10" name="Isosceles Triangle 9">
             <a:extLst>
               <a:ext uri="{FF2B5EF4-FFF2-40B4-BE49-F238E27FC236}">
-                <a16:creationId xmlns:a16="http://schemas.microsoft.com/office/drawing/2014/main" id="{D33AAA80-39DC-4020-9BFF-0718F35C7661}"/>
+                <a16:creationId xmlns:a16="http://schemas.microsoft.com/office/drawing/2014/main" id="{2ED796EC-E7FF-46DB-B912-FB08BF12AA6E}"/>
               </a:ext>
               <a:ext uri="{C183D7F6-B498-43B3-948B-1728B52AA6E4}">
                 <adec:decorative xmlns:adec="http://schemas.microsoft.com/office/drawing/2017/decorative" val="1"/>
@@ -6003,360 +5937,6 @@
           <a:xfrm rot="10800000">
             <a:off x="0" y="0"/>
             <a:ext cx="842596" cy="5666154"/>
-          </a:xfrm>
-          <a:prstGeom prst="triangle">
-            <a:avLst>
-              <a:gd name="adj" fmla="val 100000"/>
-            </a:avLst>
-          </a:prstGeom>
-          <a:solidFill>
-            <a:schemeClr val="accent1">
-              <a:alpha val="85000"/>
-            </a:schemeClr>
-          </a:solidFill>
-          <a:ln>
-            <a:noFill/>
-          </a:ln>
-          <a:effectLst/>
-        </p:spPr>
-        <p:style>
-          <a:lnRef idx="1">
-            <a:schemeClr val="accent1"/>
-          </a:lnRef>
-          <a:fillRef idx="3">
-            <a:schemeClr val="accent1"/>
-          </a:fillRef>
-          <a:effectRef idx="2">
-            <a:schemeClr val="accent1"/>
-          </a:effectRef>
-          <a:fontRef idx="minor">
-            <a:schemeClr val="lt1"/>
-          </a:fontRef>
-        </p:style>
-      </p:sp>
-      <p:cxnSp>
-        <p:nvCxnSpPr>
-          <p:cNvPr id="12" name="Straight Connector 11">
-            <a:extLst>
-              <a:ext uri="{FF2B5EF4-FFF2-40B4-BE49-F238E27FC236}">
-                <a16:creationId xmlns:a16="http://schemas.microsoft.com/office/drawing/2014/main" id="{C9C5D90B-7EE3-4D26-AB7D-A5A3A6E11203}"/>
-              </a:ext>
-              <a:ext uri="{C183D7F6-B498-43B3-948B-1728B52AA6E4}">
-                <adec:decorative xmlns:adec="http://schemas.microsoft.com/office/drawing/2017/decorative" val="1"/>
-              </a:ext>
-            </a:extLst>
-          </p:cNvPr>
-          <p:cNvCxnSpPr>
-            <a:cxnSpLocks noGrp="1" noRot="1" noChangeAspect="1" noMove="1" noResize="1" noEditPoints="1" noAdjustHandles="1" noChangeArrowheads="1" noChangeShapeType="1"/>
-          </p:cNvCxnSpPr>
-          <p:nvPr>
-            <p:extLst>
-              <p:ext uri="{386F3935-93C4-4BCD-93E2-E3B085C9AB24}">
-                <p16:designElem xmlns:p16="http://schemas.microsoft.com/office/powerpoint/2015/main" val="1"/>
-              </p:ext>
-            </p:extLst>
-          </p:nvPr>
-        </p:nvCxnSpPr>
-        <p:spPr>
-          <a:xfrm>
-            <a:off x="7534656" y="1639186"/>
-            <a:ext cx="0" cy="3200400"/>
-          </a:xfrm>
-          <a:prstGeom prst="line">
-            <a:avLst/>
-          </a:prstGeom>
-        </p:spPr>
-        <p:style>
-          <a:lnRef idx="1">
-            <a:schemeClr val="accent1"/>
-          </a:lnRef>
-          <a:fillRef idx="0">
-            <a:schemeClr val="accent1"/>
-          </a:fillRef>
-          <a:effectRef idx="0">
-            <a:schemeClr val="accent1"/>
-          </a:effectRef>
-          <a:fontRef idx="minor">
-            <a:schemeClr val="tx1"/>
-          </a:fontRef>
-        </p:style>
-      </p:cxnSp>
-      <p:sp>
-        <p:nvSpPr>
-          <p:cNvPr id="14" name="Isosceles Triangle 13">
-            <a:extLst>
-              <a:ext uri="{FF2B5EF4-FFF2-40B4-BE49-F238E27FC236}">
-                <a16:creationId xmlns:a16="http://schemas.microsoft.com/office/drawing/2014/main" id="{1177F295-741F-4EFF-B0CA-BE69295ADA07}"/>
-              </a:ext>
-              <a:ext uri="{C183D7F6-B498-43B3-948B-1728B52AA6E4}">
-                <adec:decorative xmlns:adec="http://schemas.microsoft.com/office/drawing/2017/decorative" val="1"/>
-              </a:ext>
-            </a:extLst>
-          </p:cNvPr>
-          <p:cNvSpPr>
-            <a:spLocks noGrp="1" noRot="1" noChangeAspect="1" noMove="1" noResize="1" noEditPoints="1" noAdjustHandles="1" noChangeArrowheads="1" noChangeShapeType="1" noTextEdit="1"/>
-          </p:cNvSpPr>
-          <p:nvPr>
-            <p:extLst>
-              <p:ext uri="{386F3935-93C4-4BCD-93E2-E3B085C9AB24}">
-                <p16:designElem xmlns:p16="http://schemas.microsoft.com/office/powerpoint/2015/main" val="1"/>
-              </p:ext>
-            </p:extLst>
-          </p:nvPr>
-        </p:nvSpPr>
-        <p:spPr>
-          <a:xfrm rot="10800000" flipH="1" flipV="1">
-            <a:off x="11349404" y="1217756"/>
-            <a:ext cx="842596" cy="5666154"/>
-          </a:xfrm>
-          <a:prstGeom prst="triangle">
-            <a:avLst>
-              <a:gd name="adj" fmla="val 100000"/>
-            </a:avLst>
-          </a:prstGeom>
-          <a:solidFill>
-            <a:schemeClr val="accent1">
-              <a:alpha val="85000"/>
-            </a:schemeClr>
-          </a:solidFill>
-          <a:ln>
-            <a:noFill/>
-          </a:ln>
-          <a:effectLst/>
-        </p:spPr>
-        <p:style>
-          <a:lnRef idx="1">
-            <a:schemeClr val="accent1"/>
-          </a:lnRef>
-          <a:fillRef idx="3">
-            <a:schemeClr val="accent1"/>
-          </a:fillRef>
-          <a:effectRef idx="2">
-            <a:schemeClr val="accent1"/>
-          </a:effectRef>
-          <a:fontRef idx="minor">
-            <a:schemeClr val="lt1"/>
-          </a:fontRef>
-        </p:style>
-      </p:sp>
-    </p:spTree>
-    <p:extLst>
-      <p:ext uri="{BB962C8B-B14F-4D97-AF65-F5344CB8AC3E}">
-        <p14:creationId xmlns:p14="http://schemas.microsoft.com/office/powerpoint/2010/main" val="760515816"/>
-      </p:ext>
-    </p:extLst>
-  </p:cSld>
-  <p:clrMapOvr>
-    <a:masterClrMapping/>
-  </p:clrMapOvr>
-</p:sld>
-</file>
-
-<file path=ppt/slides/slide2.xml><?xml version="1.0" encoding="utf-8"?>
-<p:sld xmlns:a="http://schemas.openxmlformats.org/drawingml/2006/main" xmlns:r="http://schemas.openxmlformats.org/officeDocument/2006/relationships" xmlns:p="http://schemas.openxmlformats.org/presentationml/2006/main">
-  <p:cSld>
-    <p:bg>
-      <p:bgPr>
-        <a:solidFill>
-          <a:schemeClr val="bg1"/>
-        </a:solidFill>
-        <a:effectLst/>
-      </p:bgPr>
-    </p:bg>
-    <p:spTree>
-      <p:nvGrpSpPr>
-        <p:cNvPr id="1" name=""/>
-        <p:cNvGrpSpPr/>
-        <p:nvPr/>
-      </p:nvGrpSpPr>
-      <p:grpSpPr>
-        <a:xfrm>
-          <a:off x="0" y="0"/>
-          <a:ext cx="0" cy="0"/>
-          <a:chOff x="0" y="0"/>
-          <a:chExt cx="0" cy="0"/>
-        </a:xfrm>
-      </p:grpSpPr>
-      <p:sp useBgFill="1">
-        <p:nvSpPr>
-          <p:cNvPr id="8" name="Rectangle 7">
-            <a:extLst>
-              <a:ext uri="{FF2B5EF4-FFF2-40B4-BE49-F238E27FC236}">
-                <a16:creationId xmlns:a16="http://schemas.microsoft.com/office/drawing/2014/main" id="{8DF4D7F6-81B5-452A-9CE6-76D81F91D41B}"/>
-              </a:ext>
-              <a:ext uri="{C183D7F6-B498-43B3-948B-1728B52AA6E4}">
-                <adec:decorative xmlns:adec="http://schemas.microsoft.com/office/drawing/2017/decorative" val="1"/>
-              </a:ext>
-            </a:extLst>
-          </p:cNvPr>
-          <p:cNvSpPr>
-            <a:spLocks noGrp="1" noRot="1" noChangeAspect="1" noMove="1" noResize="1" noEditPoints="1" noAdjustHandles="1" noChangeArrowheads="1" noChangeShapeType="1" noTextEdit="1"/>
-          </p:cNvSpPr>
-          <p:nvPr>
-            <p:extLst>
-              <p:ext uri="{386F3935-93C4-4BCD-93E2-E3B085C9AB24}">
-                <p16:designElem xmlns:p16="http://schemas.microsoft.com/office/powerpoint/2015/main" val="1"/>
-              </p:ext>
-            </p:extLst>
-          </p:nvPr>
-        </p:nvSpPr>
-        <p:spPr>
-          <a:xfrm>
-            <a:off x="0" y="0"/>
-            <a:ext cx="12192000" cy="6858000"/>
-          </a:xfrm>
-          <a:prstGeom prst="rect">
-            <a:avLst/>
-          </a:prstGeom>
-          <a:ln>
-            <a:noFill/>
-          </a:ln>
-        </p:spPr>
-        <p:style>
-          <a:lnRef idx="2">
-            <a:schemeClr val="accent1">
-              <a:shade val="50000"/>
-            </a:schemeClr>
-          </a:lnRef>
-          <a:fillRef idx="1">
-            <a:schemeClr val="accent1"/>
-          </a:fillRef>
-          <a:effectRef idx="0">
-            <a:schemeClr val="accent1"/>
-          </a:effectRef>
-          <a:fontRef idx="minor">
-            <a:schemeClr val="lt1"/>
-          </a:fontRef>
-        </p:style>
-        <p:txBody>
-          <a:bodyPr rtlCol="0" anchor="ctr"/>
-          <a:lstStyle/>
-          <a:p>
-            <a:pPr algn="ctr"/>
-            <a:endParaRPr lang="en-US"/>
-          </a:p>
-        </p:txBody>
-      </p:sp>
-      <p:sp>
-        <p:nvSpPr>
-          <p:cNvPr id="2" name="Title 1">
-            <a:extLst>
-              <a:ext uri="{FF2B5EF4-FFF2-40B4-BE49-F238E27FC236}">
-                <a16:creationId xmlns:a16="http://schemas.microsoft.com/office/drawing/2014/main" id="{71BC077A-C911-41C1-96D6-3879978373D3}"/>
-              </a:ext>
-            </a:extLst>
-          </p:cNvPr>
-          <p:cNvSpPr>
-            <a:spLocks noGrp="1"/>
-          </p:cNvSpPr>
-          <p:nvPr>
-            <p:ph type="title"/>
-          </p:nvPr>
-        </p:nvSpPr>
-        <p:spPr>
-          <a:xfrm>
-            <a:off x="1333502" y="609600"/>
-            <a:ext cx="8596668" cy="1320800"/>
-          </a:xfrm>
-        </p:spPr>
-        <p:txBody>
-          <a:bodyPr>
-            <a:normAutofit/>
-          </a:bodyPr>
-          <a:lstStyle/>
-          <a:p>
-            <a:r>
-              <a:rPr lang="en-US" dirty="0"/>
-              <a:t>        PROBLEM STATEMENT</a:t>
-            </a:r>
-          </a:p>
-        </p:txBody>
-      </p:sp>
-      <p:sp>
-        <p:nvSpPr>
-          <p:cNvPr id="10" name="Isosceles Triangle 9">
-            <a:extLst>
-              <a:ext uri="{FF2B5EF4-FFF2-40B4-BE49-F238E27FC236}">
-                <a16:creationId xmlns:a16="http://schemas.microsoft.com/office/drawing/2014/main" id="{4600514D-20FB-4559-97DC-D1DC39E6C3DE}"/>
-              </a:ext>
-              <a:ext uri="{C183D7F6-B498-43B3-948B-1728B52AA6E4}">
-                <adec:decorative xmlns:adec="http://schemas.microsoft.com/office/drawing/2017/decorative" val="1"/>
-              </a:ext>
-            </a:extLst>
-          </p:cNvPr>
-          <p:cNvSpPr>
-            <a:spLocks noGrp="1" noRot="1" noChangeAspect="1" noMove="1" noResize="1" noEditPoints="1" noAdjustHandles="1" noChangeArrowheads="1" noChangeShapeType="1" noTextEdit="1"/>
-          </p:cNvSpPr>
-          <p:nvPr>
-            <p:extLst>
-              <p:ext uri="{386F3935-93C4-4BCD-93E2-E3B085C9AB24}">
-                <p16:designElem xmlns:p16="http://schemas.microsoft.com/office/powerpoint/2015/main" val="1"/>
-              </p:ext>
-            </p:extLst>
-          </p:nvPr>
-        </p:nvSpPr>
-        <p:spPr>
-          <a:xfrm flipV="1">
-            <a:off x="0" y="0"/>
-            <a:ext cx="448733" cy="2844800"/>
-          </a:xfrm>
-          <a:prstGeom prst="triangle">
-            <a:avLst>
-              <a:gd name="adj" fmla="val 0"/>
-            </a:avLst>
-          </a:prstGeom>
-          <a:solidFill>
-            <a:schemeClr val="accent1">
-              <a:alpha val="85000"/>
-            </a:schemeClr>
-          </a:solidFill>
-          <a:ln>
-            <a:noFill/>
-          </a:ln>
-          <a:effectLst/>
-        </p:spPr>
-        <p:style>
-          <a:lnRef idx="1">
-            <a:schemeClr val="accent1"/>
-          </a:lnRef>
-          <a:fillRef idx="3">
-            <a:schemeClr val="accent1"/>
-          </a:fillRef>
-          <a:effectRef idx="2">
-            <a:schemeClr val="accent1"/>
-          </a:effectRef>
-          <a:fontRef idx="minor">
-            <a:schemeClr val="lt1"/>
-          </a:fontRef>
-        </p:style>
-      </p:sp>
-      <p:sp>
-        <p:nvSpPr>
-          <p:cNvPr id="12" name="Isosceles Triangle 11">
-            <a:extLst>
-              <a:ext uri="{FF2B5EF4-FFF2-40B4-BE49-F238E27FC236}">
-                <a16:creationId xmlns:a16="http://schemas.microsoft.com/office/drawing/2014/main" id="{266F638A-E405-4AC0-B984-72E5813B0DD1}"/>
-              </a:ext>
-              <a:ext uri="{C183D7F6-B498-43B3-948B-1728B52AA6E4}">
-                <adec:decorative xmlns:adec="http://schemas.microsoft.com/office/drawing/2017/decorative" val="1"/>
-              </a:ext>
-            </a:extLst>
-          </p:cNvPr>
-          <p:cNvSpPr>
-            <a:spLocks noGrp="1" noRot="1" noChangeAspect="1" noMove="1" noResize="1" noEditPoints="1" noAdjustHandles="1" noChangeArrowheads="1" noChangeShapeType="1" noTextEdit="1"/>
-          </p:cNvSpPr>
-          <p:nvPr>
-            <p:extLst>
-              <p:ext uri="{386F3935-93C4-4BCD-93E2-E3B085C9AB24}">
-                <p16:designElem xmlns:p16="http://schemas.microsoft.com/office/powerpoint/2015/main" val="1"/>
-              </p:ext>
-            </p:extLst>
-          </p:nvPr>
-        </p:nvSpPr>
-        <p:spPr>
-          <a:xfrm>
-            <a:off x="7738534" y="3818467"/>
-            <a:ext cx="4450292" cy="3039533"/>
           </a:xfrm>
           <a:prstGeom prst="triangle">
             <a:avLst>
@@ -6386,12 +5966,71 @@
           </a:fontRef>
         </p:style>
       </p:sp>
+      <p:sp>
+        <p:nvSpPr>
+          <p:cNvPr id="12" name="Isosceles Triangle 11">
+            <a:extLst>
+              <a:ext uri="{FF2B5EF4-FFF2-40B4-BE49-F238E27FC236}">
+                <a16:creationId xmlns:a16="http://schemas.microsoft.com/office/drawing/2014/main" id="{549A2DAB-B431-487D-95AD-BB0FECB49E57}"/>
+              </a:ext>
+              <a:ext uri="{C183D7F6-B498-43B3-948B-1728B52AA6E4}">
+                <adec:decorative xmlns:adec="http://schemas.microsoft.com/office/drawing/2017/decorative" val="1"/>
+              </a:ext>
+            </a:extLst>
+          </p:cNvPr>
+          <p:cNvSpPr>
+            <a:spLocks noGrp="1" noRot="1" noChangeAspect="1" noMove="1" noResize="1" noEditPoints="1" noAdjustHandles="1" noChangeArrowheads="1" noChangeShapeType="1" noTextEdit="1"/>
+          </p:cNvSpPr>
+          <p:nvPr>
+            <p:extLst>
+              <p:ext uri="{386F3935-93C4-4BCD-93E2-E3B085C9AB24}">
+                <p16:designElem xmlns:p16="http://schemas.microsoft.com/office/powerpoint/2015/main" val="1"/>
+              </p:ext>
+            </p:extLst>
+          </p:nvPr>
+        </p:nvSpPr>
+        <p:spPr>
+          <a:xfrm>
+            <a:off x="7738534" y="3818467"/>
+            <a:ext cx="4450292" cy="3039533"/>
+          </a:xfrm>
+          <a:prstGeom prst="triangle">
+            <a:avLst>
+              <a:gd name="adj" fmla="val 100000"/>
+            </a:avLst>
+          </a:prstGeom>
+          <a:solidFill>
+            <a:schemeClr val="accent1">
+              <a:lumMod val="75000"/>
+              <a:alpha val="88000"/>
+            </a:schemeClr>
+          </a:solidFill>
+          <a:ln>
+            <a:noFill/>
+          </a:ln>
+          <a:effectLst/>
+        </p:spPr>
+        <p:style>
+          <a:lnRef idx="1">
+            <a:schemeClr val="accent1"/>
+          </a:lnRef>
+          <a:fillRef idx="3">
+            <a:schemeClr val="accent1"/>
+          </a:fillRef>
+          <a:effectRef idx="2">
+            <a:schemeClr val="accent1"/>
+          </a:effectRef>
+          <a:fontRef idx="minor">
+            <a:schemeClr val="lt1"/>
+          </a:fontRef>
+        </p:style>
+      </p:sp>
       <p:cxnSp>
         <p:nvCxnSpPr>
           <p:cNvPr id="14" name="Straight Connector 13">
             <a:extLst>
               <a:ext uri="{FF2B5EF4-FFF2-40B4-BE49-F238E27FC236}">
-                <a16:creationId xmlns:a16="http://schemas.microsoft.com/office/drawing/2014/main" id="{7D1CBE93-B17D-4509-843C-82287C38032A}"/>
+                <a16:creationId xmlns:a16="http://schemas.microsoft.com/office/drawing/2014/main" id="{C5ECDEE1-7093-418F-9CF5-24EEB115C1C1}"/>
               </a:ext>
               <a:ext uri="{C183D7F6-B498-43B3-948B-1728B52AA6E4}">
                 <adec:decorative xmlns:adec="http://schemas.microsoft.com/office/drawing/2017/decorative" val="1"/>
@@ -6444,7 +6083,7 @@
           <p:cNvPr id="16" name="Straight Connector 15">
             <a:extLst>
               <a:ext uri="{FF2B5EF4-FFF2-40B4-BE49-F238E27FC236}">
-                <a16:creationId xmlns:a16="http://schemas.microsoft.com/office/drawing/2014/main" id="{AE6277B4-6A43-48AB-89B2-3442221619CC}"/>
+                <a16:creationId xmlns:a16="http://schemas.microsoft.com/office/drawing/2014/main" id="{045062AF-EB11-4651-BC4A-4DA21768DE8E}"/>
               </a:ext>
               <a:ext uri="{C183D7F6-B498-43B3-948B-1728B52AA6E4}">
                 <adec:decorative xmlns:adec="http://schemas.microsoft.com/office/drawing/2017/decorative" val="1"/>
@@ -6493,10 +6132,10 @@
       </p:cxnSp>
       <p:sp>
         <p:nvSpPr>
-          <p:cNvPr id="3" name="Content Placeholder 2">
+          <p:cNvPr id="3" name="Subtitle 2">
             <a:extLst>
               <a:ext uri="{FF2B5EF4-FFF2-40B4-BE49-F238E27FC236}">
-                <a16:creationId xmlns:a16="http://schemas.microsoft.com/office/drawing/2014/main" id="{ED8B2301-51D5-443E-B330-B38221B61755}"/>
+                <a16:creationId xmlns:a16="http://schemas.microsoft.com/office/drawing/2014/main" id="{7EEB2D42-330F-4C58-B923-AD6FC23AB80A}"/>
               </a:ext>
             </a:extLst>
           </p:cNvPr>
@@ -6504,13 +6143,13 @@
             <a:spLocks noGrp="1"/>
           </p:cNvSpPr>
           <p:nvPr>
-            <p:ph idx="1"/>
+            <p:ph type="subTitle" idx="1"/>
           </p:nvPr>
         </p:nvSpPr>
         <p:spPr>
           <a:xfrm>
-            <a:off x="1333502" y="2160590"/>
-            <a:ext cx="8470898" cy="3429260"/>
+            <a:off x="1507067" y="4050833"/>
+            <a:ext cx="7766936" cy="1096899"/>
           </a:xfrm>
         </p:spPr>
         <p:txBody>
@@ -6520,26 +6159,44 @@
           <a:lstStyle/>
           <a:p>
             <a:r>
-              <a:rPr lang="en-US" b="0" i="0">
-                <a:effectLst/>
-                <a:latin typeface="Segoe UI" panose="020B0502040204020203" pitchFamily="34" charset="0"/>
-                <a:cs typeface="Segoe UI" panose="020B0502040204020203" pitchFamily="34" charset="0"/>
-              </a:rPr>
-              <a:t>I’d like to learn and find out how can I attract customers and encourage them to use the bath soap products in the future.</a:t>
-            </a:r>
-          </a:p>
-          <a:p>
-            <a:r>
-              <a:rPr lang="en-US" b="0" i="0">
-                <a:effectLst/>
-                <a:latin typeface="Segoe UI" panose="020B0502040204020203" pitchFamily="34" charset="0"/>
-                <a:cs typeface="Segoe UI" panose="020B0502040204020203" pitchFamily="34" charset="0"/>
-              </a:rPr>
-              <a:t>My first idea is to find groups of similar customers based on shopping behavior, then analyze each group separately and find out what is important for each customer for purchasing the product.</a:t>
-            </a:r>
-          </a:p>
-          <a:p>
-            <a:endParaRPr lang="en-US"/>
+              <a:rPr lang="en-US"/>
+              <a:t>					npillana@kent.edu</a:t>
+            </a:r>
+          </a:p>
+        </p:txBody>
+      </p:sp>
+      <p:sp>
+        <p:nvSpPr>
+          <p:cNvPr id="2" name="Title 1">
+            <a:extLst>
+              <a:ext uri="{FF2B5EF4-FFF2-40B4-BE49-F238E27FC236}">
+                <a16:creationId xmlns:a16="http://schemas.microsoft.com/office/drawing/2014/main" id="{01FB5297-2A0C-49CB-AD5A-8BF7C345CDF2}"/>
+              </a:ext>
+            </a:extLst>
+          </p:cNvPr>
+          <p:cNvSpPr>
+            <a:spLocks noGrp="1"/>
+          </p:cNvSpPr>
+          <p:nvPr>
+            <p:ph type="ctrTitle"/>
+          </p:nvPr>
+        </p:nvSpPr>
+        <p:spPr>
+          <a:xfrm>
+            <a:off x="1507067" y="1397000"/>
+            <a:ext cx="7766936" cy="2653836"/>
+          </a:xfrm>
+        </p:spPr>
+        <p:txBody>
+          <a:bodyPr>
+            <a:normAutofit/>
+          </a:bodyPr>
+          <a:lstStyle/>
+          <a:p>
+            <a:r>
+              <a:rPr lang="en-US" dirty="0"/>
+              <a:t>MARKET SEGMENTATION OF BATHSOAP</a:t>
+            </a:r>
           </a:p>
         </p:txBody>
       </p:sp>
@@ -6548,7 +6205,7 @@
           <p:cNvPr id="18" name="Rectangle 27">
             <a:extLst>
               <a:ext uri="{FF2B5EF4-FFF2-40B4-BE49-F238E27FC236}">
-                <a16:creationId xmlns:a16="http://schemas.microsoft.com/office/drawing/2014/main" id="{27B538D5-95DB-47ED-9CB4-34AE5BF78E6B}"/>
+                <a16:creationId xmlns:a16="http://schemas.microsoft.com/office/drawing/2014/main" id="{0819F787-32B4-46A8-BC57-C6571BCEE243}"/>
               </a:ext>
               <a:ext uri="{C183D7F6-B498-43B3-948B-1728B52AA6E4}">
                 <adec:decorative xmlns:adec="http://schemas.microsoft.com/office/drawing/2017/decorative" val="1"/>
@@ -6620,6 +6277,270 @@
             <a:schemeClr val="lt1"/>
           </a:fontRef>
         </p:style>
+      </p:sp>
+    </p:spTree>
+    <p:extLst>
+      <p:ext uri="{BB962C8B-B14F-4D97-AF65-F5344CB8AC3E}">
+        <p14:creationId xmlns:p14="http://schemas.microsoft.com/office/powerpoint/2010/main" val="760515816"/>
+      </p:ext>
+    </p:extLst>
+  </p:cSld>
+  <p:clrMapOvr>
+    <a:masterClrMapping/>
+  </p:clrMapOvr>
+  <p:timing>
+    <p:tnLst>
+      <p:par>
+        <p:cTn id="1" dur="indefinite" restart="never" nodeType="tmRoot">
+          <p:childTnLst>
+            <p:seq concurrent="1" nextAc="seek">
+              <p:cTn id="2" dur="indefinite" nodeType="mainSeq">
+                <p:childTnLst>
+                  <p:par>
+                    <p:cTn id="3" fill="hold">
+                      <p:stCondLst>
+                        <p:cond delay="indefinite"/>
+                        <p:cond evt="onBegin" delay="0">
+                          <p:tn val="2"/>
+                        </p:cond>
+                      </p:stCondLst>
+                      <p:childTnLst>
+                        <p:par>
+                          <p:cTn id="4" fill="hold">
+                            <p:stCondLst>
+                              <p:cond delay="0"/>
+                            </p:stCondLst>
+                            <p:childTnLst>
+                              <p:par>
+                                <p:cTn id="5" presetID="10" presetClass="entr" presetSubtype="0" fill="hold" grpId="0" nodeType="withEffect">
+                                  <p:stCondLst>
+                                    <p:cond delay="500"/>
+                                  </p:stCondLst>
+                                  <p:iterate>
+                                    <p:tmPct val="10000"/>
+                                  </p:iterate>
+                                  <p:childTnLst>
+                                    <p:set>
+                                      <p:cBhvr>
+                                        <p:cTn id="6" dur="1" fill="hold">
+                                          <p:stCondLst>
+                                            <p:cond delay="0"/>
+                                          </p:stCondLst>
+                                        </p:cTn>
+                                        <p:tgtEl>
+                                          <p:spTgt spid="2"/>
+                                        </p:tgtEl>
+                                        <p:attrNameLst>
+                                          <p:attrName>style.visibility</p:attrName>
+                                        </p:attrNameLst>
+                                      </p:cBhvr>
+                                      <p:to>
+                                        <p:strVal val="visible"/>
+                                      </p:to>
+                                    </p:set>
+                                    <p:animEffect transition="in" filter="fade">
+                                      <p:cBhvr>
+                                        <p:cTn id="7" dur="700"/>
+                                        <p:tgtEl>
+                                          <p:spTgt spid="2"/>
+                                        </p:tgtEl>
+                                      </p:cBhvr>
+                                    </p:animEffect>
+                                  </p:childTnLst>
+                                </p:cTn>
+                              </p:par>
+                              <p:par>
+                                <p:cTn id="8" presetID="10" presetClass="entr" presetSubtype="0" fill="hold" grpId="0" nodeType="withEffect">
+                                  <p:stCondLst>
+                                    <p:cond delay="1000"/>
+                                  </p:stCondLst>
+                                  <p:iterate>
+                                    <p:tmPct val="10000"/>
+                                  </p:iterate>
+                                  <p:childTnLst>
+                                    <p:set>
+                                      <p:cBhvr>
+                                        <p:cTn id="9" dur="1" fill="hold">
+                                          <p:stCondLst>
+                                            <p:cond delay="0"/>
+                                          </p:stCondLst>
+                                        </p:cTn>
+                                        <p:tgtEl>
+                                          <p:spTgt spid="3">
+                                            <p:txEl>
+                                              <p:pRg st="0" end="0"/>
+                                            </p:txEl>
+                                          </p:spTgt>
+                                        </p:tgtEl>
+                                        <p:attrNameLst>
+                                          <p:attrName>style.visibility</p:attrName>
+                                        </p:attrNameLst>
+                                      </p:cBhvr>
+                                      <p:to>
+                                        <p:strVal val="visible"/>
+                                      </p:to>
+                                    </p:set>
+                                    <p:animEffect transition="in" filter="fade">
+                                      <p:cBhvr>
+                                        <p:cTn id="10" dur="700"/>
+                                        <p:tgtEl>
+                                          <p:spTgt spid="3">
+                                            <p:txEl>
+                                              <p:pRg st="0" end="0"/>
+                                            </p:txEl>
+                                          </p:spTgt>
+                                        </p:tgtEl>
+                                      </p:cBhvr>
+                                    </p:animEffect>
+                                  </p:childTnLst>
+                                </p:cTn>
+                              </p:par>
+                            </p:childTnLst>
+                          </p:cTn>
+                        </p:par>
+                      </p:childTnLst>
+                    </p:cTn>
+                  </p:par>
+                </p:childTnLst>
+              </p:cTn>
+              <p:prevCondLst>
+                <p:cond evt="onPrev" delay="0">
+                  <p:tgtEl>
+                    <p:sldTgt/>
+                  </p:tgtEl>
+                </p:cond>
+              </p:prevCondLst>
+              <p:nextCondLst>
+                <p:cond evt="onNext" delay="0">
+                  <p:tgtEl>
+                    <p:sldTgt/>
+                  </p:tgtEl>
+                </p:cond>
+              </p:nextCondLst>
+            </p:seq>
+          </p:childTnLst>
+        </p:cTn>
+      </p:par>
+    </p:tnLst>
+    <p:bldLst>
+      <p:bldP spid="3" grpId="0" build="p"/>
+      <p:bldP spid="2" grpId="0"/>
+    </p:bldLst>
+  </p:timing>
+</p:sld>
+</file>
+
+<file path=ppt/slides/slide2.xml><?xml version="1.0" encoding="utf-8"?>
+<p:sld xmlns:a="http://schemas.openxmlformats.org/drawingml/2006/main" xmlns:r="http://schemas.openxmlformats.org/officeDocument/2006/relationships" xmlns:p="http://schemas.openxmlformats.org/presentationml/2006/main">
+  <p:cSld>
+    <p:bg>
+      <p:bgPr>
+        <a:solidFill>
+          <a:schemeClr val="bg1"/>
+        </a:solidFill>
+        <a:effectLst/>
+      </p:bgPr>
+    </p:bg>
+    <p:spTree>
+      <p:nvGrpSpPr>
+        <p:cNvPr id="1" name=""/>
+        <p:cNvGrpSpPr/>
+        <p:nvPr/>
+      </p:nvGrpSpPr>
+      <p:grpSpPr>
+        <a:xfrm>
+          <a:off x="0" y="0"/>
+          <a:ext cx="0" cy="0"/>
+          <a:chOff x="0" y="0"/>
+          <a:chExt cx="0" cy="0"/>
+        </a:xfrm>
+      </p:grpSpPr>
+      <p:sp>
+        <p:nvSpPr>
+          <p:cNvPr id="2" name="Title 1">
+            <a:extLst>
+              <a:ext uri="{FF2B5EF4-FFF2-40B4-BE49-F238E27FC236}">
+                <a16:creationId xmlns:a16="http://schemas.microsoft.com/office/drawing/2014/main" id="{71BC077A-C911-41C1-96D6-3879978373D3}"/>
+              </a:ext>
+            </a:extLst>
+          </p:cNvPr>
+          <p:cNvSpPr>
+            <a:spLocks noGrp="1"/>
+          </p:cNvSpPr>
+          <p:nvPr>
+            <p:ph type="title"/>
+          </p:nvPr>
+        </p:nvSpPr>
+        <p:spPr>
+          <a:xfrm>
+            <a:off x="1333502" y="609600"/>
+            <a:ext cx="8596668" cy="1320800"/>
+          </a:xfrm>
+        </p:spPr>
+        <p:txBody>
+          <a:bodyPr>
+            <a:normAutofit/>
+          </a:bodyPr>
+          <a:lstStyle/>
+          <a:p>
+            <a:r>
+              <a:rPr lang="en-US" dirty="0"/>
+              <a:t>        PROBLEM STATEMENT</a:t>
+            </a:r>
+          </a:p>
+        </p:txBody>
+      </p:sp>
+      <p:sp>
+        <p:nvSpPr>
+          <p:cNvPr id="3" name="Content Placeholder 2">
+            <a:extLst>
+              <a:ext uri="{FF2B5EF4-FFF2-40B4-BE49-F238E27FC236}">
+                <a16:creationId xmlns:a16="http://schemas.microsoft.com/office/drawing/2014/main" id="{ED8B2301-51D5-443E-B330-B38221B61755}"/>
+              </a:ext>
+            </a:extLst>
+          </p:cNvPr>
+          <p:cNvSpPr>
+            <a:spLocks noGrp="1"/>
+          </p:cNvSpPr>
+          <p:nvPr>
+            <p:ph idx="1"/>
+          </p:nvPr>
+        </p:nvSpPr>
+        <p:spPr>
+          <a:xfrm>
+            <a:off x="1333502" y="2160590"/>
+            <a:ext cx="8470898" cy="3429260"/>
+          </a:xfrm>
+        </p:spPr>
+        <p:txBody>
+          <a:bodyPr>
+            <a:normAutofit/>
+          </a:bodyPr>
+          <a:lstStyle/>
+          <a:p>
+            <a:r>
+              <a:rPr lang="en-US" b="0" i="0" dirty="0">
+                <a:effectLst/>
+                <a:latin typeface="Segoe UI" panose="020B0502040204020203" pitchFamily="34" charset="0"/>
+                <a:cs typeface="Segoe UI" panose="020B0502040204020203" pitchFamily="34" charset="0"/>
+              </a:rPr>
+              <a:t>I’d like to learn and find out how can I attract customers and encourage them to use the bath soap products in the future.</a:t>
+            </a:r>
+          </a:p>
+          <a:p>
+            <a:r>
+              <a:rPr lang="en-US" b="0" i="0" dirty="0">
+                <a:effectLst/>
+                <a:latin typeface="Segoe UI" panose="020B0502040204020203" pitchFamily="34" charset="0"/>
+                <a:cs typeface="Segoe UI" panose="020B0502040204020203" pitchFamily="34" charset="0"/>
+              </a:rPr>
+              <a:t>My first idea is to find group of similar customers based on shopping behavior, then analyze each group separately and find out what is important for each customer for purchasing the product.</a:t>
+            </a:r>
+          </a:p>
+          <a:p>
+            <a:endParaRPr lang="en-US" dirty="0"/>
+          </a:p>
+        </p:txBody>
       </p:sp>
     </p:spTree>
     <p:extLst>
@@ -7111,7 +7032,7 @@
         <p:spPr>
           <a:xfrm>
             <a:off x="1192696" y="2372139"/>
-            <a:ext cx="10177669" cy="2308324"/>
+            <a:ext cx="10177669" cy="2585323"/>
           </a:xfrm>
           <a:prstGeom prst="rect">
             <a:avLst/>
@@ -7133,7 +7054,7 @@
                 <a:latin typeface="Segoe UI" panose="020B0502040204020203" pitchFamily="34" charset="0"/>
                 <a:cs typeface="Segoe UI" panose="020B0502040204020203" pitchFamily="34" charset="0"/>
               </a:rPr>
-              <a:t>Customers in cluster 4 are highly Loyal and they buy the product even no promotions are available.</a:t>
+              <a:t>Customers in cluster 4 are highly Loyal and they buy the product even when no promotions are available.</a:t>
             </a:r>
             <a:r>
               <a:rPr lang="en-US" b="0" i="0" dirty="0">
@@ -7171,8 +7092,19 @@
                 <a:latin typeface="Segoe UI" panose="020B0502040204020203" pitchFamily="34" charset="0"/>
                 <a:cs typeface="Segoe UI" panose="020B0502040204020203" pitchFamily="34" charset="0"/>
               </a:rPr>
-              <a:t>Customers in cluster 2 and 4 and loyal to specific brand and buy during the promos. Since most of them are women and they have TV at home, more add promotions should be released.</a:t>
-            </a:r>
+              <a:t>Customers in cluster 2 and 4 are loyal to specific brand and buy during the promos. Since most of them are women and they have TV at home, more add promotions should be released and future products should be developed based on </a:t>
+            </a:r>
+            <a:r>
+              <a:rPr lang="en-US">
+                <a:latin typeface="Segoe UI" panose="020B0502040204020203" pitchFamily="34" charset="0"/>
+                <a:cs typeface="Segoe UI" panose="020B0502040204020203" pitchFamily="34" charset="0"/>
+              </a:rPr>
+              <a:t>women category.</a:t>
+            </a:r>
+            <a:endParaRPr lang="en-US" dirty="0">
+              <a:latin typeface="Segoe UI" panose="020B0502040204020203" pitchFamily="34" charset="0"/>
+              <a:cs typeface="Segoe UI" panose="020B0502040204020203" pitchFamily="34" charset="0"/>
+            </a:endParaRPr>
           </a:p>
           <a:p>
             <a:pPr marL="342900" indent="-342900">
